--- a/Lec/Lection 17.pptx
+++ b/Lec/Lection 17.pptx
@@ -8,16 +8,18 @@
     <p:sldId id="256" r:id="rId2"/>
     <p:sldId id="257" r:id="rId3"/>
     <p:sldId id="258" r:id="rId4"/>
-    <p:sldId id="260" r:id="rId5"/>
-    <p:sldId id="261" r:id="rId6"/>
-    <p:sldId id="262" r:id="rId7"/>
-    <p:sldId id="263" r:id="rId8"/>
-    <p:sldId id="264" r:id="rId9"/>
-    <p:sldId id="265" r:id="rId10"/>
-    <p:sldId id="267" r:id="rId11"/>
-    <p:sldId id="268" r:id="rId12"/>
-    <p:sldId id="269" r:id="rId13"/>
-    <p:sldId id="270" r:id="rId14"/>
+    <p:sldId id="259" r:id="rId5"/>
+    <p:sldId id="260" r:id="rId6"/>
+    <p:sldId id="261" r:id="rId7"/>
+    <p:sldId id="262" r:id="rId8"/>
+    <p:sldId id="263" r:id="rId9"/>
+    <p:sldId id="264" r:id="rId10"/>
+    <p:sldId id="265" r:id="rId11"/>
+    <p:sldId id="266" r:id="rId12"/>
+    <p:sldId id="267" r:id="rId13"/>
+    <p:sldId id="268" r:id="rId14"/>
+    <p:sldId id="269" r:id="rId15"/>
+    <p:sldId id="270" r:id="rId16"/>
   </p:sldIdLst>
   <p:sldSz cx="12192000" cy="6858000"/>
   <p:notesSz cx="6858000" cy="9144000"/>
@@ -253,7 +255,7 @@
           <a:p>
             <a:fld id="{1A858AD8-1407-4CBB-895D-107EE1132AFD}" type="datetimeFigureOut">
               <a:rPr lang="en-US" smtClean="0"/>
-              <a:t>9/30/2020</a:t>
+              <a:t>9/2/2020</a:t>
             </a:fld>
             <a:endParaRPr lang="en-US"/>
           </a:p>
@@ -421,7 +423,7 @@
           <a:p>
             <a:fld id="{1A858AD8-1407-4CBB-895D-107EE1132AFD}" type="datetimeFigureOut">
               <a:rPr lang="en-US" smtClean="0"/>
-              <a:t>9/30/2020</a:t>
+              <a:t>9/2/2020</a:t>
             </a:fld>
             <a:endParaRPr lang="en-US"/>
           </a:p>
@@ -599,7 +601,7 @@
           <a:p>
             <a:fld id="{1A858AD8-1407-4CBB-895D-107EE1132AFD}" type="datetimeFigureOut">
               <a:rPr lang="en-US" smtClean="0"/>
-              <a:t>9/30/2020</a:t>
+              <a:t>9/2/2020</a:t>
             </a:fld>
             <a:endParaRPr lang="en-US"/>
           </a:p>
@@ -767,7 +769,7 @@
           <a:p>
             <a:fld id="{1A858AD8-1407-4CBB-895D-107EE1132AFD}" type="datetimeFigureOut">
               <a:rPr lang="en-US" smtClean="0"/>
-              <a:t>9/30/2020</a:t>
+              <a:t>9/2/2020</a:t>
             </a:fld>
             <a:endParaRPr lang="en-US"/>
           </a:p>
@@ -1012,7 +1014,7 @@
           <a:p>
             <a:fld id="{1A858AD8-1407-4CBB-895D-107EE1132AFD}" type="datetimeFigureOut">
               <a:rPr lang="en-US" smtClean="0"/>
-              <a:t>9/30/2020</a:t>
+              <a:t>9/2/2020</a:t>
             </a:fld>
             <a:endParaRPr lang="en-US"/>
           </a:p>
@@ -1241,7 +1243,7 @@
           <a:p>
             <a:fld id="{1A858AD8-1407-4CBB-895D-107EE1132AFD}" type="datetimeFigureOut">
               <a:rPr lang="en-US" smtClean="0"/>
-              <a:t>9/30/2020</a:t>
+              <a:t>9/2/2020</a:t>
             </a:fld>
             <a:endParaRPr lang="en-US"/>
           </a:p>
@@ -1605,7 +1607,7 @@
           <a:p>
             <a:fld id="{1A858AD8-1407-4CBB-895D-107EE1132AFD}" type="datetimeFigureOut">
               <a:rPr lang="en-US" smtClean="0"/>
-              <a:t>9/30/2020</a:t>
+              <a:t>9/2/2020</a:t>
             </a:fld>
             <a:endParaRPr lang="en-US"/>
           </a:p>
@@ -1722,7 +1724,7 @@
           <a:p>
             <a:fld id="{1A858AD8-1407-4CBB-895D-107EE1132AFD}" type="datetimeFigureOut">
               <a:rPr lang="en-US" smtClean="0"/>
-              <a:t>9/30/2020</a:t>
+              <a:t>9/2/2020</a:t>
             </a:fld>
             <a:endParaRPr lang="en-US"/>
           </a:p>
@@ -1817,7 +1819,7 @@
           <a:p>
             <a:fld id="{1A858AD8-1407-4CBB-895D-107EE1132AFD}" type="datetimeFigureOut">
               <a:rPr lang="en-US" smtClean="0"/>
-              <a:t>9/30/2020</a:t>
+              <a:t>9/2/2020</a:t>
             </a:fld>
             <a:endParaRPr lang="en-US"/>
           </a:p>
@@ -2092,7 +2094,7 @@
           <a:p>
             <a:fld id="{1A858AD8-1407-4CBB-895D-107EE1132AFD}" type="datetimeFigureOut">
               <a:rPr lang="en-US" smtClean="0"/>
-              <a:t>9/30/2020</a:t>
+              <a:t>9/2/2020</a:t>
             </a:fld>
             <a:endParaRPr lang="en-US"/>
           </a:p>
@@ -2344,7 +2346,7 @@
           <a:p>
             <a:fld id="{1A858AD8-1407-4CBB-895D-107EE1132AFD}" type="datetimeFigureOut">
               <a:rPr lang="en-US" smtClean="0"/>
-              <a:t>9/30/2020</a:t>
+              <a:t>9/2/2020</a:t>
             </a:fld>
             <a:endParaRPr lang="en-US"/>
           </a:p>
@@ -2555,7 +2557,7 @@
           <a:p>
             <a:fld id="{1A858AD8-1407-4CBB-895D-107EE1132AFD}" type="datetimeFigureOut">
               <a:rPr lang="en-US" smtClean="0"/>
-              <a:t>9/30/2020</a:t>
+              <a:t>9/2/2020</a:t>
             </a:fld>
             <a:endParaRPr lang="en-US"/>
           </a:p>
@@ -3056,7 +3058,7 @@
           <a:p>
             <a:r>
               <a:rPr lang="uk-UA" noProof="0" dirty="0" err="1" smtClean="0"/>
-              <a:t>Forget</a:t>
+              <a:t>Cell</a:t>
             </a:r>
             <a:r>
               <a:rPr lang="uk-UA" noProof="0" dirty="0" smtClean="0"/>
@@ -3064,7 +3066,34 @@
             </a:r>
             <a:r>
               <a:rPr lang="uk-UA" noProof="0" dirty="0" err="1" smtClean="0"/>
-              <a:t>gate</a:t>
+              <a:t>state</a:t>
+            </a:r>
+            <a:endParaRPr lang="uk-UA" noProof="0" dirty="0"/>
+          </a:p>
+        </p:txBody>
+      </p:sp>
+      <p:sp>
+        <p:nvSpPr>
+          <p:cNvPr id="3" name="Content Placeholder 2"/>
+          <p:cNvSpPr>
+            <a:spLocks noGrp="1"/>
+          </p:cNvSpPr>
+          <p:nvPr>
+            <p:ph idx="1"/>
+          </p:nvPr>
+        </p:nvSpPr>
+        <p:spPr/>
+        <p:txBody>
+          <a:bodyPr/>
+          <a:lstStyle/>
+          <a:p>
+            <a:r>
+              <a:rPr lang="uk-UA" noProof="0" dirty="0" smtClean="0"/>
+              <a:t>На горизонтальній лінії, що проходить по верхній частині схеми відображається стан комірки (</a:t>
+            </a:r>
+            <a:r>
+              <a:rPr lang="uk-UA" noProof="0" dirty="0" err="1" smtClean="0"/>
+              <a:t>cell</a:t>
             </a:r>
             <a:r>
               <a:rPr lang="uk-UA" noProof="0" dirty="0" smtClean="0"/>
@@ -3072,7 +3101,103 @@
             </a:r>
             <a:r>
               <a:rPr lang="uk-UA" noProof="0" dirty="0" err="1" smtClean="0"/>
-              <a:t>layer</a:t>
+              <a:t>state</a:t>
+            </a:r>
+            <a:r>
+              <a:rPr lang="uk-UA" noProof="0" dirty="0" smtClean="0"/>
+              <a:t>) – це внутрішня пам’ять блоку</a:t>
+            </a:r>
+            <a:endParaRPr lang="uk-UA" noProof="0" dirty="0"/>
+          </a:p>
+        </p:txBody>
+      </p:sp>
+      <p:pic>
+        <p:nvPicPr>
+          <p:cNvPr id="4" name="Рисунок 82" descr="https://habrastorage.org/web/db4/e23/6e1/db4e236e1d834c96949f17e94e8900c7.png"/>
+          <p:cNvPicPr>
+            <a:picLocks noChangeAspect="1"/>
+          </p:cNvPicPr>
+          <p:nvPr/>
+        </p:nvPicPr>
+        <p:blipFill>
+          <a:blip r:embed="rId2" cstate="print">
+            <a:extLst>
+              <a:ext uri="{28A0092B-C50C-407E-A947-70E740481C1C}">
+                <a14:useLocalDpi xmlns:a14="http://schemas.microsoft.com/office/drawing/2010/main" val="0"/>
+              </a:ext>
+            </a:extLst>
+          </a:blip>
+          <a:srcRect/>
+          <a:stretch>
+            <a:fillRect/>
+          </a:stretch>
+        </p:blipFill>
+        <p:spPr bwMode="auto">
+          <a:xfrm>
+            <a:off x="1778369" y="3250564"/>
+            <a:ext cx="8635262" cy="2668514"/>
+          </a:xfrm>
+          <a:prstGeom prst="rect">
+            <a:avLst/>
+          </a:prstGeom>
+          <a:noFill/>
+          <a:ln>
+            <a:noFill/>
+          </a:ln>
+        </p:spPr>
+      </p:pic>
+    </p:spTree>
+    <p:extLst>
+      <p:ext uri="{BB962C8B-B14F-4D97-AF65-F5344CB8AC3E}">
+        <p14:creationId xmlns:p14="http://schemas.microsoft.com/office/powerpoint/2010/main" val="437563911"/>
+      </p:ext>
+    </p:extLst>
+  </p:cSld>
+  <p:clrMapOvr>
+    <a:masterClrMapping/>
+  </p:clrMapOvr>
+</p:sld>
+</file>
+
+<file path=ppt/slides/slide11.xml><?xml version="1.0" encoding="utf-8"?>
+<p:sld xmlns:a="http://schemas.openxmlformats.org/drawingml/2006/main" xmlns:r="http://schemas.openxmlformats.org/officeDocument/2006/relationships" xmlns:p="http://schemas.openxmlformats.org/presentationml/2006/main">
+  <p:cSld>
+    <p:spTree>
+      <p:nvGrpSpPr>
+        <p:cNvPr id="1" name=""/>
+        <p:cNvGrpSpPr/>
+        <p:nvPr/>
+      </p:nvGrpSpPr>
+      <p:grpSpPr>
+        <a:xfrm>
+          <a:off x="0" y="0"/>
+          <a:ext cx="0" cy="0"/>
+          <a:chOff x="0" y="0"/>
+          <a:chExt cx="0" cy="0"/>
+        </a:xfrm>
+      </p:grpSpPr>
+      <p:sp>
+        <p:nvSpPr>
+          <p:cNvPr id="2" name="Title 1"/>
+          <p:cNvSpPr>
+            <a:spLocks noGrp="1"/>
+          </p:cNvSpPr>
+          <p:nvPr>
+            <p:ph type="title"/>
+          </p:nvPr>
+        </p:nvSpPr>
+        <p:spPr/>
+        <p:txBody>
+          <a:bodyPr/>
+          <a:lstStyle/>
+          <a:p>
+            <a:r>
+              <a:rPr lang="uk-UA" noProof="0" dirty="0" smtClean="0"/>
+              <a:t>LSTM </a:t>
+            </a:r>
+            <a:r>
+              <a:rPr lang="uk-UA" noProof="0" dirty="0" err="1" smtClean="0"/>
+              <a:t>gates</a:t>
             </a:r>
             <a:endParaRPr lang="uk-UA" noProof="0" dirty="0"/>
           </a:p>
@@ -3097,15 +3222,153 @@
           <a:p>
             <a:r>
               <a:rPr lang="uk-UA" sz="2400" noProof="0" dirty="0" smtClean="0"/>
-              <a:t>Рішення про те, яку інформацію можна вилучити зі стану </a:t>
+              <a:t>Видалення інформації регулюється структурами, так званими фільтрами (</a:t>
+            </a:r>
+            <a:r>
+              <a:rPr lang="uk-UA" sz="2400" noProof="0" dirty="0" err="1" smtClean="0"/>
+              <a:t>gates</a:t>
             </a:r>
             <a:r>
               <a:rPr lang="uk-UA" sz="2400" noProof="0" dirty="0" smtClean="0"/>
-              <a:t>комірки, </a:t>
-            </a:r>
+              <a:t>). </a:t>
+            </a:r>
+          </a:p>
+          <a:p>
             <a:r>
               <a:rPr lang="uk-UA" sz="2400" noProof="0" dirty="0" smtClean="0"/>
-              <a:t>ухвалює </a:t>
+              <a:t>Фільтри дозволяють пропускати інформацію на підставі деяких умов. </a:t>
+            </a:r>
+          </a:p>
+          <a:p>
+            <a:r>
+              <a:rPr lang="uk-UA" sz="2400" noProof="0" dirty="0" smtClean="0"/>
+              <a:t>Вони складаються з шару </a:t>
+            </a:r>
+            <a:r>
+              <a:rPr lang="uk-UA" sz="2400" noProof="0" dirty="0" err="1" smtClean="0"/>
+              <a:t>сигмоїдальної</a:t>
+            </a:r>
+            <a:r>
+              <a:rPr lang="uk-UA" sz="2400" noProof="0" dirty="0" smtClean="0"/>
+              <a:t> нейронної мережі і операції </a:t>
+            </a:r>
+            <a:r>
+              <a:rPr lang="uk-UA" sz="2400" noProof="0" dirty="0" err="1" smtClean="0"/>
+              <a:t>поточечного</a:t>
+            </a:r>
+            <a:r>
+              <a:rPr lang="uk-UA" sz="2400" noProof="0" dirty="0" smtClean="0"/>
+              <a:t> множення. </a:t>
+            </a:r>
+          </a:p>
+          <a:p>
+            <a:r>
+              <a:rPr lang="uk-UA" sz="2400" noProof="0" dirty="0" err="1" smtClean="0"/>
+              <a:t>Сигмоїдальний</a:t>
+            </a:r>
+            <a:r>
+              <a:rPr lang="uk-UA" sz="2400" noProof="0" dirty="0" smtClean="0"/>
+              <a:t> шар повертає числа від нуля до одиниці, що позначають, яку частку кожного блоку інформації варто пропустити далі по мережі. Нуль у цьому разі означає «не пропускати нічого», одиниця – «пропустити все». </a:t>
+            </a:r>
+          </a:p>
+          <a:p>
+            <a:r>
+              <a:rPr lang="uk-UA" sz="2400" noProof="0" dirty="0" smtClean="0"/>
+              <a:t>У LSTM три такі фільтри, що дозволяють захищати і контролювати стан комірки.</a:t>
+            </a:r>
+            <a:endParaRPr lang="uk-UA" sz="2400" noProof="0" dirty="0"/>
+          </a:p>
+        </p:txBody>
+      </p:sp>
+    </p:spTree>
+    <p:extLst>
+      <p:ext uri="{BB962C8B-B14F-4D97-AF65-F5344CB8AC3E}">
+        <p14:creationId xmlns:p14="http://schemas.microsoft.com/office/powerpoint/2010/main" val="1744678150"/>
+      </p:ext>
+    </p:extLst>
+  </p:cSld>
+  <p:clrMapOvr>
+    <a:masterClrMapping/>
+  </p:clrMapOvr>
+</p:sld>
+</file>
+
+<file path=ppt/slides/slide12.xml><?xml version="1.0" encoding="utf-8"?>
+<p:sld xmlns:a="http://schemas.openxmlformats.org/drawingml/2006/main" xmlns:r="http://schemas.openxmlformats.org/officeDocument/2006/relationships" xmlns:p="http://schemas.openxmlformats.org/presentationml/2006/main">
+  <p:cSld>
+    <p:spTree>
+      <p:nvGrpSpPr>
+        <p:cNvPr id="1" name=""/>
+        <p:cNvGrpSpPr/>
+        <p:nvPr/>
+      </p:nvGrpSpPr>
+      <p:grpSpPr>
+        <a:xfrm>
+          <a:off x="0" y="0"/>
+          <a:ext cx="0" cy="0"/>
+          <a:chOff x="0" y="0"/>
+          <a:chExt cx="0" cy="0"/>
+        </a:xfrm>
+      </p:grpSpPr>
+      <p:sp>
+        <p:nvSpPr>
+          <p:cNvPr id="2" name="Title 1"/>
+          <p:cNvSpPr>
+            <a:spLocks noGrp="1"/>
+          </p:cNvSpPr>
+          <p:nvPr>
+            <p:ph type="title"/>
+          </p:nvPr>
+        </p:nvSpPr>
+        <p:spPr/>
+        <p:txBody>
+          <a:bodyPr/>
+          <a:lstStyle/>
+          <a:p>
+            <a:r>
+              <a:rPr lang="uk-UA" noProof="0" dirty="0" err="1" smtClean="0"/>
+              <a:t>Forget</a:t>
+            </a:r>
+            <a:r>
+              <a:rPr lang="uk-UA" noProof="0" dirty="0" smtClean="0"/>
+              <a:t> </a:t>
+            </a:r>
+            <a:r>
+              <a:rPr lang="uk-UA" noProof="0" dirty="0" err="1" smtClean="0"/>
+              <a:t>gate</a:t>
+            </a:r>
+            <a:r>
+              <a:rPr lang="uk-UA" noProof="0" dirty="0" smtClean="0"/>
+              <a:t> </a:t>
+            </a:r>
+            <a:r>
+              <a:rPr lang="uk-UA" noProof="0" dirty="0" err="1" smtClean="0"/>
+              <a:t>layer</a:t>
+            </a:r>
+            <a:endParaRPr lang="uk-UA" noProof="0" dirty="0"/>
+          </a:p>
+        </p:txBody>
+      </p:sp>
+      <p:sp>
+        <p:nvSpPr>
+          <p:cNvPr id="3" name="Content Placeholder 2"/>
+          <p:cNvSpPr>
+            <a:spLocks noGrp="1"/>
+          </p:cNvSpPr>
+          <p:nvPr>
+            <p:ph idx="1"/>
+          </p:nvPr>
+        </p:nvSpPr>
+        <p:spPr/>
+        <p:txBody>
+          <a:bodyPr>
+            <a:normAutofit/>
+          </a:bodyPr>
+          <a:lstStyle/>
+          <a:p>
+            <a:r>
+              <a:rPr lang="uk-UA" sz="2400" noProof="0" dirty="0" smtClean="0"/>
+              <a:t>Рішення про те, яку інформацію можна вилучити зі стану осередку, ухвалює </a:t>
             </a:r>
             <a:r>
               <a:rPr lang="uk-UA" sz="2400" noProof="0" dirty="0" err="1" smtClean="0"/>
@@ -3113,15 +3376,7 @@
             </a:r>
             <a:r>
               <a:rPr lang="uk-UA" sz="2400" noProof="0" dirty="0" smtClean="0"/>
-              <a:t> шар, що називається </a:t>
-            </a:r>
-            <a:r>
-              <a:rPr lang="uk-UA" sz="2400" noProof="0" dirty="0" smtClean="0"/>
-              <a:t>«фільтром </a:t>
-            </a:r>
-            <a:r>
-              <a:rPr lang="uk-UA" sz="2400" noProof="0" dirty="0" smtClean="0"/>
-              <a:t>забування» (</a:t>
+              <a:t> шар, що називається «шаром фільтра забування» (</a:t>
             </a:r>
             <a:r>
               <a:rPr lang="uk-UA" sz="2400" noProof="0" dirty="0" err="1" smtClean="0"/>
@@ -3199,7 +3454,7 @@
 </p:sld>
 </file>
 
-<file path=ppt/slides/slide11.xml><?xml version="1.0" encoding="utf-8"?>
+<file path=ppt/slides/slide13.xml><?xml version="1.0" encoding="utf-8"?>
 <p:sld xmlns:a="http://schemas.openxmlformats.org/drawingml/2006/main" xmlns:r="http://schemas.openxmlformats.org/officeDocument/2006/relationships" xmlns:p="http://schemas.openxmlformats.org/presentationml/2006/main">
   <p:cSld>
     <p:spTree>
@@ -3282,15 +3537,7 @@
             </a:r>
             <a:r>
               <a:rPr lang="uk-UA" sz="2400" noProof="0" dirty="0" smtClean="0"/>
-              <a:t> шар під назвою </a:t>
-            </a:r>
-            <a:r>
-              <a:rPr lang="uk-UA" sz="2400" noProof="0" dirty="0" smtClean="0"/>
-              <a:t>«вхідний фільтр» </a:t>
-            </a:r>
-            <a:r>
-              <a:rPr lang="uk-UA" sz="2400" noProof="0" dirty="0" smtClean="0"/>
-              <a:t>(</a:t>
+              <a:t> шар під назвою «шар вхідного фільтра» (</a:t>
             </a:r>
             <a:r>
               <a:rPr lang="uk-UA" sz="2400" noProof="0" dirty="0" err="1" smtClean="0"/>
@@ -3382,7 +3629,7 @@
 </p:sld>
 </file>
 
-<file path=ppt/slides/slide12.xml><?xml version="1.0" encoding="utf-8"?>
+<file path=ppt/slides/slide14.xml><?xml version="1.0" encoding="utf-8"?>
 <p:sld xmlns:a="http://schemas.openxmlformats.org/drawingml/2006/main" xmlns:r="http://schemas.openxmlformats.org/officeDocument/2006/relationships" xmlns:p="http://schemas.openxmlformats.org/presentationml/2006/main">
   <p:cSld>
     <p:spTree>
@@ -3441,15 +3688,7 @@
           <a:p>
             <a:r>
               <a:rPr lang="uk-UA" sz="2400" noProof="0" dirty="0" smtClean="0"/>
-              <a:t>Щоб замінити старий стан </a:t>
-            </a:r>
-            <a:r>
-              <a:rPr lang="uk-UA" sz="2400" dirty="0"/>
-              <a:t>комірки на </a:t>
-            </a:r>
-            <a:r>
-              <a:rPr lang="uk-UA" sz="2400" noProof="0" dirty="0" smtClean="0"/>
-              <a:t>новий стан виконується така операція</a:t>
+              <a:t>Щоб замінити старий стан осередку на новий стан виконується така операція</a:t>
             </a:r>
             <a:endParaRPr lang="uk-UA" sz="2400" noProof="0" dirty="0"/>
           </a:p>
@@ -3503,7 +3742,7 @@
 </p:sld>
 </file>
 
-<file path=ppt/slides/slide13.xml><?xml version="1.0" encoding="utf-8"?>
+<file path=ppt/slides/slide15.xml><?xml version="1.0" encoding="utf-8"?>
 <p:sld xmlns:a="http://schemas.openxmlformats.org/drawingml/2006/main" xmlns:r="http://schemas.openxmlformats.org/officeDocument/2006/relationships" xmlns:p="http://schemas.openxmlformats.org/presentationml/2006/main">
   <p:cSld>
     <p:spTree>
@@ -3562,92 +3801,33 @@
           <a:p>
             <a:r>
               <a:rPr lang="uk-UA" sz="2400" noProof="0" dirty="0" smtClean="0"/>
-              <a:t>Вихідні дані </a:t>
+              <a:t>Вихідні дані будуть організовані на новому стані комірки з урахуванням фільтрів – спочатку застосовується </a:t>
+            </a:r>
+            <a:r>
+              <a:rPr lang="uk-UA" sz="2400" noProof="0" dirty="0" err="1" smtClean="0"/>
+              <a:t>сигмоїдальний</a:t>
             </a:r>
             <a:r>
               <a:rPr lang="uk-UA" sz="2400" noProof="0" dirty="0" smtClean="0"/>
-              <a:t>обчислюються у </a:t>
+              <a:t> шар, що вирішує, яку інформацію зі стану комірки виводити; потім значення стану комірки проходять через </a:t>
+            </a:r>
+            <a:r>
+              <a:rPr lang="uk-UA" sz="2400" noProof="0" dirty="0" err="1" smtClean="0"/>
+              <a:t>tanh</a:t>
             </a:r>
             <a:r>
               <a:rPr lang="uk-UA" sz="2400" noProof="0" dirty="0" smtClean="0"/>
-              <a:t>новому стані комірки з урахуванням фільтрів – </a:t>
-            </a:r>
-            <a:endParaRPr lang="uk-UA" sz="2400" noProof="0" dirty="0" smtClean="0"/>
-          </a:p>
-          <a:p>
-            <a:pPr lvl="1"/>
-            <a:r>
-              <a:rPr lang="uk-UA" sz="2000" noProof="0" dirty="0" smtClean="0"/>
-              <a:t>спочатку </a:t>
-            </a:r>
-            <a:r>
-              <a:rPr lang="uk-UA" sz="2000" noProof="0" dirty="0" smtClean="0"/>
-              <a:t>застосовується </a:t>
-            </a:r>
-            <a:r>
-              <a:rPr lang="uk-UA" sz="2000" noProof="0" dirty="0" err="1" smtClean="0"/>
-              <a:t>сигмоїдальний</a:t>
-            </a:r>
-            <a:r>
-              <a:rPr lang="uk-UA" sz="2000" noProof="0" dirty="0" smtClean="0"/>
-              <a:t> шар, що вирішує, яку інформацію </a:t>
-            </a:r>
-            <a:r>
-              <a:rPr lang="uk-UA" sz="2000" noProof="0" dirty="0" smtClean="0"/>
-              <a:t>зберегти; </a:t>
-            </a:r>
-          </a:p>
-          <a:p>
-            <a:pPr lvl="1"/>
-            <a:r>
-              <a:rPr lang="uk-UA" sz="2000" noProof="0" dirty="0" smtClean="0"/>
-              <a:t>потім </a:t>
-            </a:r>
-            <a:r>
-              <a:rPr lang="uk-UA" sz="2000" noProof="0" dirty="0" smtClean="0"/>
-              <a:t>значення стану комірки проходять через </a:t>
-            </a:r>
-            <a:r>
-              <a:rPr lang="uk-UA" sz="2000" noProof="0" dirty="0" err="1" smtClean="0"/>
-              <a:t>tanh</a:t>
-            </a:r>
-            <a:r>
-              <a:rPr lang="uk-UA" sz="2000" noProof="0" dirty="0" smtClean="0"/>
-              <a:t>-шар, щоб отримати </a:t>
-            </a:r>
-            <a:r>
-              <a:rPr lang="uk-UA" sz="2000" noProof="0" dirty="0" smtClean="0"/>
-              <a:t>значення </a:t>
-            </a:r>
-            <a:r>
-              <a:rPr lang="uk-UA" sz="2000" noProof="0" dirty="0" smtClean="0"/>
-              <a:t>з діапазону від –1 до 1, </a:t>
-            </a:r>
-            <a:endParaRPr lang="uk-UA" sz="2000" noProof="0" dirty="0" smtClean="0"/>
-          </a:p>
-          <a:p>
-            <a:pPr lvl="1"/>
-            <a:r>
-              <a:rPr lang="uk-UA" sz="2000" dirty="0" smtClean="0"/>
-              <a:t>далі</a:t>
-            </a:r>
-            <a:r>
-              <a:rPr lang="uk-UA" sz="2000" noProof="0" dirty="0" smtClean="0"/>
-              <a:t> </a:t>
-            </a:r>
-            <a:r>
-              <a:rPr lang="uk-UA" sz="2000" noProof="0" dirty="0" smtClean="0"/>
-              <a:t>перемножуються з вихідними значеннями </a:t>
-            </a:r>
-            <a:r>
-              <a:rPr lang="uk-UA" sz="2000" noProof="0" dirty="0" err="1" smtClean="0"/>
+              <a:t>-шар, щоб отримати на виході значення з діапазону від –1 до 1, і перемножуються з вихідними значеннями </a:t>
+            </a:r>
+            <a:r>
+              <a:rPr lang="uk-UA" sz="2400" noProof="0" dirty="0" err="1" smtClean="0"/>
               <a:t>сигмоїдального</a:t>
             </a:r>
             <a:r>
-              <a:rPr lang="uk-UA" sz="2000" noProof="0" dirty="0" smtClean="0"/>
+              <a:rPr lang="uk-UA" sz="2400" noProof="0" dirty="0" smtClean="0"/>
               <a:t> шару, що дозволяє виводити тільки необхідну інформацію</a:t>
             </a:r>
-            <a:endParaRPr lang="uk-UA" sz="2000" noProof="0" dirty="0"/>
+            <a:endParaRPr lang="uk-UA" sz="2400" noProof="0" dirty="0"/>
           </a:p>
         </p:txBody>
       </p:sp>
@@ -3674,7 +3854,7 @@
         </p:blipFill>
         <p:spPr bwMode="auto">
           <a:xfrm>
-            <a:off x="1778369" y="4082994"/>
+            <a:off x="1778369" y="3819525"/>
             <a:ext cx="8635262" cy="2668514"/>
           </a:xfrm>
           <a:prstGeom prst="rect">
@@ -3751,62 +3931,60 @@
         </p:nvSpPr>
         <p:spPr/>
         <p:txBody>
-          <a:bodyPr>
-            <a:normAutofit/>
-          </a:bodyPr>
-          <a:lstStyle/>
-          <a:p>
-            <a:r>
-              <a:rPr lang="uk-UA" sz="2400" noProof="0" dirty="0" smtClean="0"/>
+          <a:bodyPr/>
+          <a:lstStyle/>
+          <a:p>
+            <a:r>
+              <a:rPr lang="uk-UA" noProof="0" dirty="0" smtClean="0"/>
               <a:t>Глибоке навчання – підмножина методів машинного навчання, в яких застосовуються багатошарові (що складаються з десятків і сотень шарів) нейронні мережі складної архітектури (не </a:t>
             </a:r>
             <a:r>
-              <a:rPr lang="uk-UA" sz="2400" noProof="0" dirty="0" err="1" smtClean="0"/>
+              <a:rPr lang="uk-UA" noProof="0" dirty="0" err="1" smtClean="0"/>
               <a:t>повнозв’язані</a:t>
             </a:r>
             <a:r>
-              <a:rPr lang="uk-UA" sz="2400" noProof="0" dirty="0" smtClean="0"/>
+              <a:rPr lang="uk-UA" noProof="0" dirty="0" smtClean="0"/>
               <a:t>, зі </a:t>
             </a:r>
             <a:r>
-              <a:rPr lang="uk-UA" sz="2400" noProof="0" dirty="0" err="1" smtClean="0"/>
+              <a:rPr lang="uk-UA" noProof="0" dirty="0" err="1" smtClean="0"/>
               <a:t>зворотніми</a:t>
             </a:r>
             <a:r>
-              <a:rPr lang="uk-UA" sz="2400" noProof="0" dirty="0" smtClean="0"/>
+              <a:rPr lang="uk-UA" noProof="0" dirty="0" smtClean="0"/>
               <a:t> зв’язками). </a:t>
             </a:r>
           </a:p>
           <a:p>
             <a:r>
-              <a:rPr lang="uk-UA" sz="2400" noProof="0" dirty="0" smtClean="0"/>
+              <a:rPr lang="uk-UA" noProof="0" dirty="0" smtClean="0"/>
               <a:t>Своїми успіхами глибоке навчання зобов’язане експоненціальному зростанню як </a:t>
             </a:r>
             <a:r>
-              <a:rPr lang="uk-UA" sz="2400" noProof="0" dirty="0" err="1" smtClean="0"/>
+              <a:rPr lang="uk-UA" noProof="0" dirty="0" err="1" smtClean="0"/>
               <a:t>потужностей</a:t>
             </a:r>
             <a:r>
-              <a:rPr lang="uk-UA" sz="2400" noProof="0" dirty="0" smtClean="0"/>
+              <a:rPr lang="uk-UA" noProof="0" dirty="0" smtClean="0"/>
               <a:t> (зокрема дешевих графічних процесорів), що використовуються для їх побудови, так і обсягів даних (наприклад, </a:t>
             </a:r>
             <a:r>
-              <a:rPr lang="uk-UA" sz="2400" noProof="0" dirty="0" err="1" smtClean="0"/>
+              <a:rPr lang="uk-UA" noProof="0" dirty="0" err="1" smtClean="0"/>
               <a:t>ImageNet</a:t>
             </a:r>
             <a:r>
-              <a:rPr lang="uk-UA" sz="2400" noProof="0" dirty="0" smtClean="0"/>
+              <a:rPr lang="uk-UA" noProof="0" dirty="0" smtClean="0"/>
               <a:t> для обробки зображень), що можуть використовуватися для навчання подібних </a:t>
             </a:r>
             <a:r>
-              <a:rPr lang="uk-UA" sz="2400" noProof="0" dirty="0" err="1" smtClean="0"/>
+              <a:rPr lang="uk-UA" noProof="0" dirty="0" err="1" smtClean="0"/>
               <a:t>архітектур</a:t>
             </a:r>
             <a:r>
-              <a:rPr lang="uk-UA" sz="2400" noProof="0" dirty="0" smtClean="0"/>
+              <a:rPr lang="uk-UA" noProof="0" dirty="0" smtClean="0"/>
               <a:t>.</a:t>
             </a:r>
-            <a:endParaRPr lang="uk-UA" sz="2400" noProof="0" dirty="0"/>
+            <a:endParaRPr lang="uk-UA" noProof="0" dirty="0"/>
           </a:p>
         </p:txBody>
       </p:sp>
@@ -3856,11 +4034,7 @@
           <a:lstStyle/>
           <a:p>
             <a:r>
-              <a:rPr lang="uk-UA" dirty="0" smtClean="0"/>
-              <a:t>Бібліотека </a:t>
-            </a:r>
-            <a:r>
-              <a:rPr lang="uk-UA" dirty="0" err="1" smtClean="0"/>
+              <a:rPr lang="uk-UA" noProof="0" dirty="0" err="1" smtClean="0"/>
               <a:t>Keras</a:t>
             </a:r>
             <a:endParaRPr lang="uk-UA" noProof="0" dirty="0"/>
@@ -3885,16 +4059,42 @@
           <a:lstStyle/>
           <a:p>
             <a:r>
+              <a:rPr lang="uk-UA" sz="2400" noProof="0" dirty="0" smtClean="0"/>
+              <a:t>Для роботи з глибокими НМ будемо використовувати бібліотеку </a:t>
+            </a:r>
+            <a:r>
               <a:rPr lang="uk-UA" sz="2400" noProof="0" dirty="0" err="1" smtClean="0"/>
               <a:t>Keras</a:t>
             </a:r>
             <a:r>
               <a:rPr lang="uk-UA" sz="2400" noProof="0" dirty="0" smtClean="0"/>
-              <a:t> </a:t>
+              <a:t> (зокрема R-інтерфейси до </a:t>
+            </a:r>
+            <a:r>
+              <a:rPr lang="uk-UA" sz="2400" noProof="0" dirty="0" err="1" smtClean="0"/>
+              <a:t>TensorFlow</a:t>
             </a:r>
             <a:r>
               <a:rPr lang="uk-UA" sz="2400" noProof="0" dirty="0" smtClean="0"/>
-              <a:t>надає </a:t>
+              <a:t> і </a:t>
+            </a:r>
+            <a:r>
+              <a:rPr lang="uk-UA" sz="2400" noProof="0" dirty="0" err="1" smtClean="0"/>
+              <a:t>Keras</a:t>
+            </a:r>
+            <a:r>
+              <a:rPr lang="uk-UA" sz="2400" noProof="0" dirty="0" smtClean="0"/>
+              <a:t>). </a:t>
+            </a:r>
+          </a:p>
+          <a:p>
+            <a:r>
+              <a:rPr lang="uk-UA" sz="2400" noProof="0" dirty="0" err="1" smtClean="0"/>
+              <a:t>Keras</a:t>
+            </a:r>
+            <a:r>
+              <a:rPr lang="uk-UA" sz="2400" noProof="0" dirty="0" smtClean="0"/>
+              <a:t> надає </a:t>
             </a:r>
             <a:r>
               <a:rPr lang="uk-UA" sz="2400" noProof="0" dirty="0" err="1" smtClean="0"/>
@@ -3915,52 +4115,46 @@
           </a:p>
           <a:p>
             <a:r>
-              <a:rPr lang="uk-UA" sz="2400" dirty="0" err="1"/>
-              <a:t>Keras</a:t>
-            </a:r>
-            <a:r>
-              <a:rPr lang="uk-UA" sz="2400" dirty="0"/>
-              <a:t> містить </a:t>
-            </a:r>
-            <a:r>
               <a:rPr lang="uk-UA" sz="2400" noProof="0" dirty="0" smtClean="0"/>
-              <a:t>численні реалізації блоків нейронних мереж, таких як шари, цільові та передавальні функції, оптимізатори, та купу інструментів для спрощення роботи з зображеннями та текстом. </a:t>
-            </a:r>
-          </a:p>
-          <a:p>
-            <a:r>
-              <a:rPr lang="uk-UA" sz="2400" dirty="0"/>
-              <a:t>Для обчислень з тензорами – «будівельний блок» нейронних мереж – </a:t>
-            </a:r>
-            <a:r>
-              <a:rPr lang="uk-UA" sz="2400" dirty="0" err="1"/>
-              <a:t>Keras</a:t>
-            </a:r>
-            <a:r>
-              <a:rPr lang="uk-UA" sz="2400" dirty="0"/>
-              <a:t> використовує бібліотеки </a:t>
-            </a:r>
-            <a:r>
-              <a:rPr lang="uk-UA" sz="2400" dirty="0" err="1"/>
-              <a:t>Theano</a:t>
-            </a:r>
-            <a:r>
-              <a:rPr lang="uk-UA" sz="2400" dirty="0"/>
-              <a:t> або </a:t>
-            </a:r>
-            <a:r>
-              <a:rPr lang="uk-UA" sz="2400" dirty="0" err="1"/>
-              <a:t>TensorFlow</a:t>
-            </a:r>
-            <a:r>
-              <a:rPr lang="uk-UA" sz="2400" dirty="0"/>
-              <a:t>, що створені для роботи з багатовимірними масивами (тензорами). </a:t>
-            </a:r>
-          </a:p>
-          <a:p>
-            <a:r>
-              <a:rPr lang="uk-UA" sz="2400" dirty="0"/>
-              <a:t>На їх основі можливо створювати моделі як з послідовною, так і з функціональною архітектурою.</a:t>
+              <a:t>Бібліотека містить численні реалізації блоків нейронних мереж, таких як шари, цільові та передавальні функції, оптимізатори, та купу інструментів для спрощення роботи з зображеннями та текстом. </a:t>
+            </a:r>
+          </a:p>
+          <a:p>
+            <a:r>
+              <a:rPr lang="uk-UA" sz="2400" noProof="0" dirty="0" smtClean="0"/>
+              <a:t>Код розміщений на </a:t>
+            </a:r>
+            <a:r>
+              <a:rPr lang="uk-UA" sz="2400" noProof="0" dirty="0" err="1" smtClean="0"/>
+              <a:t>GitHub</a:t>
+            </a:r>
+            <a:r>
+              <a:rPr lang="uk-UA" sz="2400" noProof="0" dirty="0" smtClean="0"/>
+              <a:t>, форуми підтримки містять сторінку питань </a:t>
+            </a:r>
+            <a:r>
+              <a:rPr lang="uk-UA" sz="2400" noProof="0" dirty="0" err="1" smtClean="0"/>
+              <a:t>GitHub</a:t>
+            </a:r>
+            <a:r>
+              <a:rPr lang="uk-UA" sz="2400" noProof="0" dirty="0" smtClean="0"/>
+              <a:t>, канали </a:t>
+            </a:r>
+            <a:r>
+              <a:rPr lang="uk-UA" sz="2400" noProof="0" dirty="0" err="1" smtClean="0"/>
+              <a:t>Gitter</a:t>
+            </a:r>
+            <a:r>
+              <a:rPr lang="uk-UA" sz="2400" noProof="0" dirty="0" smtClean="0"/>
+              <a:t> і </a:t>
+            </a:r>
+            <a:r>
+              <a:rPr lang="uk-UA" sz="2400" noProof="0" dirty="0" err="1" smtClean="0"/>
+              <a:t>Slack</a:t>
+            </a:r>
+            <a:r>
+              <a:rPr lang="uk-UA" sz="2400" noProof="0" dirty="0" smtClean="0"/>
+              <a:t>.</a:t>
             </a:r>
           </a:p>
           <a:p>
@@ -4015,7 +4209,7 @@
           <a:p>
             <a:r>
               <a:rPr lang="uk-UA" noProof="0" dirty="0" smtClean="0"/>
-              <a:t>Рекурентні нейронні мережі</a:t>
+              <a:t>Тензор</a:t>
             </a:r>
             <a:endParaRPr lang="uk-UA" noProof="0" dirty="0"/>
           </a:p>
@@ -4033,72 +4227,51 @@
         </p:nvSpPr>
         <p:spPr/>
         <p:txBody>
-          <a:bodyPr>
-            <a:normAutofit/>
-          </a:bodyPr>
-          <a:lstStyle/>
-          <a:p>
-            <a:r>
-              <a:rPr lang="uk-UA" sz="2400" noProof="0" dirty="0" smtClean="0"/>
-              <a:t>РНМ (</a:t>
-            </a:r>
-            <a:r>
-              <a:rPr lang="uk-UA" sz="2400" noProof="0" dirty="0" err="1" smtClean="0"/>
-              <a:t>Recurrent</a:t>
-            </a:r>
-            <a:r>
-              <a:rPr lang="uk-UA" sz="2400" noProof="0" dirty="0" smtClean="0"/>
-              <a:t> </a:t>
-            </a:r>
-            <a:r>
-              <a:rPr lang="uk-UA" sz="2400" noProof="0" dirty="0" err="1" smtClean="0"/>
-              <a:t>neural</a:t>
-            </a:r>
-            <a:r>
-              <a:rPr lang="uk-UA" sz="2400" noProof="0" dirty="0" smtClean="0"/>
-              <a:t> </a:t>
-            </a:r>
-            <a:r>
-              <a:rPr lang="uk-UA" sz="2400" noProof="0" dirty="0" err="1" smtClean="0"/>
-              <a:t>network</a:t>
-            </a:r>
-            <a:r>
-              <a:rPr lang="uk-UA" sz="2400" noProof="0" dirty="0" smtClean="0"/>
-              <a:t>, RNN) – клас НМ, в яких використовується послідовна природа вхідних даних. </a:t>
-            </a:r>
-            <a:endParaRPr lang="uk-UA" sz="2400" noProof="0" dirty="0" smtClean="0"/>
-          </a:p>
-          <a:p>
-            <a:r>
-              <a:rPr lang="uk-UA" sz="2400" noProof="0" dirty="0" smtClean="0"/>
-              <a:t>Такими </a:t>
-            </a:r>
-            <a:r>
-              <a:rPr lang="uk-UA" sz="2400" noProof="0" dirty="0" smtClean="0"/>
-              <a:t>даними можуть бути часові ряди, текст, мова або будь-який інший об’єкт, в якому поява наступного елемента послідовності залежить від попередніх елементів.</a:t>
-            </a:r>
-          </a:p>
-          <a:p>
-            <a:r>
-              <a:rPr lang="uk-UA" sz="2400" noProof="0" dirty="0" smtClean="0"/>
-              <a:t>Основним припущенням багатошарового </a:t>
-            </a:r>
-            <a:r>
-              <a:rPr lang="uk-UA" sz="2400" noProof="0" dirty="0" err="1" smtClean="0"/>
-              <a:t>персептрона</a:t>
-            </a:r>
-            <a:r>
-              <a:rPr lang="uk-UA" sz="2400" noProof="0" dirty="0" smtClean="0"/>
-              <a:t> є незалежність входів. Однак для послідовних даних це припущення порушується. </a:t>
-            </a:r>
-            <a:endParaRPr lang="uk-UA" sz="2400" noProof="0" dirty="0"/>
+          <a:bodyPr/>
+          <a:lstStyle/>
+          <a:p>
+            <a:r>
+              <a:rPr lang="uk-UA" noProof="0" dirty="0" smtClean="0"/>
+              <a:t>Для обчислень з тензорами – «будівельний блок» нейронних мереж – </a:t>
+            </a:r>
+            <a:r>
+              <a:rPr lang="uk-UA" noProof="0" dirty="0" err="1" smtClean="0"/>
+              <a:t>Keras</a:t>
+            </a:r>
+            <a:r>
+              <a:rPr lang="uk-UA" noProof="0" dirty="0" smtClean="0"/>
+              <a:t> використовує бібліотеки </a:t>
+            </a:r>
+            <a:r>
+              <a:rPr lang="uk-UA" noProof="0" dirty="0" err="1" smtClean="0"/>
+              <a:t>Theano</a:t>
+            </a:r>
+            <a:r>
+              <a:rPr lang="uk-UA" noProof="0" dirty="0" smtClean="0"/>
+              <a:t> або </a:t>
+            </a:r>
+            <a:r>
+              <a:rPr lang="uk-UA" noProof="0" dirty="0" err="1" smtClean="0"/>
+              <a:t>TensorFlow</a:t>
+            </a:r>
+            <a:r>
+              <a:rPr lang="uk-UA" noProof="0" dirty="0" smtClean="0"/>
+              <a:t>, що створені для роботи з багатовимірними масивами (тензорами). </a:t>
+            </a:r>
+          </a:p>
+          <a:p>
+            <a:r>
+              <a:rPr lang="uk-UA" noProof="0" dirty="0" smtClean="0"/>
+              <a:t>На їх основі можливо створювати моделі як з послідовною, так і з функціональною архітектурою.</a:t>
+            </a:r>
+            <a:endParaRPr lang="uk-UA" noProof="0" dirty="0"/>
           </a:p>
         </p:txBody>
       </p:sp>
     </p:spTree>
     <p:extLst>
       <p:ext uri="{BB962C8B-B14F-4D97-AF65-F5344CB8AC3E}">
-        <p14:creationId xmlns:p14="http://schemas.microsoft.com/office/powerpoint/2010/main" val="1575013639"/>
+        <p14:creationId xmlns:p14="http://schemas.microsoft.com/office/powerpoint/2010/main" val="309772626"/>
       </p:ext>
     </p:extLst>
   </p:cSld>
@@ -4142,14 +4315,128 @@
           <a:p>
             <a:r>
               <a:rPr lang="uk-UA" noProof="0" dirty="0" smtClean="0"/>
+              <a:t>Рекурентні нейронні мережі</a:t>
+            </a:r>
+            <a:endParaRPr lang="uk-UA" noProof="0" dirty="0"/>
+          </a:p>
+        </p:txBody>
+      </p:sp>
+      <p:sp>
+        <p:nvSpPr>
+          <p:cNvPr id="3" name="Content Placeholder 2"/>
+          <p:cNvSpPr>
+            <a:spLocks noGrp="1"/>
+          </p:cNvSpPr>
+          <p:nvPr>
+            <p:ph idx="1"/>
+          </p:nvPr>
+        </p:nvSpPr>
+        <p:spPr/>
+        <p:txBody>
+          <a:bodyPr/>
+          <a:lstStyle/>
+          <a:p>
+            <a:r>
+              <a:rPr lang="uk-UA" noProof="0" dirty="0" smtClean="0"/>
+              <a:t>РНМ (</a:t>
+            </a:r>
+            <a:r>
+              <a:rPr lang="uk-UA" noProof="0" dirty="0" err="1" smtClean="0"/>
+              <a:t>Recurrent</a:t>
+            </a:r>
+            <a:r>
+              <a:rPr lang="uk-UA" noProof="0" dirty="0" smtClean="0"/>
+              <a:t> </a:t>
+            </a:r>
+            <a:r>
+              <a:rPr lang="uk-UA" noProof="0" dirty="0" err="1" smtClean="0"/>
+              <a:t>neural</a:t>
+            </a:r>
+            <a:r>
+              <a:rPr lang="uk-UA" noProof="0" dirty="0" smtClean="0"/>
+              <a:t> </a:t>
+            </a:r>
+            <a:r>
+              <a:rPr lang="uk-UA" noProof="0" dirty="0" err="1" smtClean="0"/>
+              <a:t>network</a:t>
+            </a:r>
+            <a:r>
+              <a:rPr lang="uk-UA" noProof="0" dirty="0" smtClean="0"/>
+              <a:t>, RNN) – клас НМ, в яких використовується послідовна природа вхідних даних. Такими даними можуть бути часові ряди, текст, мова або будь-який інший об’єкт, в якому поява наступного елемента послідовності залежить від попередніх елементів.</a:t>
+            </a:r>
+          </a:p>
+          <a:p>
+            <a:r>
+              <a:rPr lang="uk-UA" noProof="0" dirty="0" smtClean="0"/>
+              <a:t>Основним припущенням багатошарового </a:t>
+            </a:r>
+            <a:r>
+              <a:rPr lang="uk-UA" noProof="0" dirty="0" err="1" smtClean="0"/>
+              <a:t>персептрона</a:t>
+            </a:r>
+            <a:r>
+              <a:rPr lang="uk-UA" noProof="0" dirty="0" smtClean="0"/>
+              <a:t> є незалежність входів. Однак для послідовних даних це припущення порушується. </a:t>
+            </a:r>
+            <a:endParaRPr lang="uk-UA" noProof="0" dirty="0"/>
+          </a:p>
+        </p:txBody>
+      </p:sp>
+    </p:spTree>
+    <p:extLst>
+      <p:ext uri="{BB962C8B-B14F-4D97-AF65-F5344CB8AC3E}">
+        <p14:creationId xmlns:p14="http://schemas.microsoft.com/office/powerpoint/2010/main" val="1575013639"/>
+      </p:ext>
+    </p:extLst>
+  </p:cSld>
+  <p:clrMapOvr>
+    <a:masterClrMapping/>
+  </p:clrMapOvr>
+</p:sld>
+</file>
+
+<file path=ppt/slides/slide6.xml><?xml version="1.0" encoding="utf-8"?>
+<p:sld xmlns:a="http://schemas.openxmlformats.org/drawingml/2006/main" xmlns:r="http://schemas.openxmlformats.org/officeDocument/2006/relationships" xmlns:p="http://schemas.openxmlformats.org/presentationml/2006/main">
+  <p:cSld>
+    <p:spTree>
+      <p:nvGrpSpPr>
+        <p:cNvPr id="1" name=""/>
+        <p:cNvGrpSpPr/>
+        <p:nvPr/>
+      </p:nvGrpSpPr>
+      <p:grpSpPr>
+        <a:xfrm>
+          <a:off x="0" y="0"/>
+          <a:ext cx="0" cy="0"/>
+          <a:chOff x="0" y="0"/>
+          <a:chExt cx="0" cy="0"/>
+        </a:xfrm>
+      </p:grpSpPr>
+      <p:sp>
+        <p:nvSpPr>
+          <p:cNvPr id="2" name="Title 1"/>
+          <p:cNvSpPr>
+            <a:spLocks noGrp="1"/>
+          </p:cNvSpPr>
+          <p:nvPr>
+            <p:ph type="title"/>
+          </p:nvPr>
+        </p:nvSpPr>
+        <p:spPr/>
+        <p:txBody>
+          <a:bodyPr/>
+          <a:lstStyle/>
+          <a:p>
+            <a:r>
+              <a:rPr lang="uk-UA" noProof="0" dirty="0" smtClean="0"/>
               <a:t>Блок пам’яті</a:t>
             </a:r>
             <a:endParaRPr lang="uk-UA" noProof="0" dirty="0"/>
           </a:p>
         </p:txBody>
       </p:sp>
-      <mc:AlternateContent xmlns:mc="http://schemas.openxmlformats.org/markup-compatibility/2006">
-        <mc:Choice xmlns:a14="http://schemas.microsoft.com/office/drawing/2010/main" Requires="a14">
+      <mc:AlternateContent xmlns:mc="http://schemas.openxmlformats.org/markup-compatibility/2006" xmlns:a14="http://schemas.microsoft.com/office/drawing/2010/main">
+        <mc:Choice Requires="a14">
           <p:sp>
             <p:nvSpPr>
               <p:cNvPr id="3" name="Content Placeholder 2"/>
@@ -4169,15 +4456,7 @@
               <a:p>
                 <a:r>
                   <a:rPr lang="uk-UA" sz="2400" noProof="0" dirty="0" smtClean="0"/>
-                  <a:t>Для </a:t>
-                </a:r>
-                <a:r>
-                  <a:rPr lang="uk-UA" sz="2400" dirty="0"/>
-                  <a:t>моделювання послідовних даних в </a:t>
-                </a:r>
-                <a:r>
-                  <a:rPr lang="uk-UA" sz="2400" noProof="0" dirty="0" smtClean="0"/>
-                  <a:t>РНМ додається блок пам’яті, в якому зберігається попередня інформація</a:t>
+                  <a:t>Для подолання цієї проблеми в РНМ додається блок пам’яті, в якому зберігається попередня інформація</a:t>
                 </a:r>
               </a:p>
               <a:p>
@@ -4341,13 +4620,8 @@
                 </a:r>
                 <a:r>
                   <a:rPr lang="uk-UA" sz="2400" noProof="0" dirty="0"/>
-                  <a:t> – вхідне значення в поточний момент </a:t>
+                  <a:t> – вхідне значення в поточний момент часу. </a:t>
                 </a:r>
-                <a:r>
-                  <a:rPr lang="uk-UA" sz="2400" noProof="0" dirty="0" smtClean="0"/>
-                  <a:t>часу</a:t>
-                </a:r>
-                <a:endParaRPr lang="uk-UA" sz="2400" noProof="0" dirty="0"/>
               </a:p>
               <a:p>
                 <a:r>
@@ -4380,13 +4654,8 @@
                 </a:r>
                 <a:r>
                   <a:rPr lang="uk-UA" sz="2400" noProof="0" dirty="0"/>
-                  <a:t>тобто відновити інформацію як завгодно довгої </a:t>
+                  <a:t>тобто відновити інформацію як завгодно довгої послідовності.</a:t>
                 </a:r>
-                <a:r>
-                  <a:rPr lang="uk-UA" sz="2400" noProof="0" dirty="0" smtClean="0"/>
-                  <a:t>послідовності</a:t>
-                </a:r>
-                <a:endParaRPr lang="uk-UA" sz="2400" noProof="0" dirty="0"/>
               </a:p>
               <a:p>
                 <a:endParaRPr lang="uk-UA" sz="2400" noProof="0" dirty="0"/>
@@ -4394,7 +4663,7 @@
             </p:txBody>
           </p:sp>
         </mc:Choice>
-        <mc:Fallback>
+        <mc:Fallback xmlns="">
           <p:sp>
             <p:nvSpPr>
               <p:cNvPr id="3" name="Content Placeholder 2"/>
@@ -4409,7 +4678,7 @@
               <a:blipFill rotWithShape="0">
                 <a:blip r:embed="rId2"/>
                 <a:stretch>
-                  <a:fillRect l="-928" t="-1961" r="-290"/>
+                  <a:fillRect l="-928" t="-1961"/>
                 </a:stretch>
               </a:blipFill>
             </p:spPr>
@@ -4418,7 +4687,7 @@
               <a:lstStyle/>
               <a:p>
                 <a:r>
-                  <a:rPr lang="uk-UA">
+                  <a:rPr lang="en-US">
                     <a:noFill/>
                   </a:rPr>
                   <a:t> </a:t>
@@ -4477,7 +4746,7 @@
 </p:sld>
 </file>
 
-<file path=ppt/slides/slide6.xml><?xml version="1.0" encoding="utf-8"?>
+<file path=ppt/slides/slide7.xml><?xml version="1.0" encoding="utf-8"?>
 <p:sld xmlns:a="http://schemas.openxmlformats.org/drawingml/2006/main" xmlns:r="http://schemas.openxmlformats.org/officeDocument/2006/relationships" xmlns:p="http://schemas.openxmlformats.org/presentationml/2006/main">
   <p:cSld>
     <p:spTree>
@@ -4517,8 +4786,8 @@
           </a:p>
         </p:txBody>
       </p:sp>
-      <mc:AlternateContent xmlns:mc="http://schemas.openxmlformats.org/markup-compatibility/2006">
-        <mc:Choice xmlns:a14="http://schemas.microsoft.com/office/drawing/2010/main" Requires="a14">
+      <mc:AlternateContent xmlns:mc="http://schemas.openxmlformats.org/markup-compatibility/2006" xmlns:a14="http://schemas.microsoft.com/office/drawing/2010/main">
+        <mc:Choice Requires="a14">
           <p:sp>
             <p:nvSpPr>
               <p:cNvPr id="3" name="Content Placeholder 2"/>
@@ -4546,28 +4815,14 @@
                 </a:r>
                 <a:r>
                   <a:rPr lang="uk-UA" sz="2400" noProof="0" dirty="0" smtClean="0"/>
-                  <a:t> зберігаються в матриці ваг, то параметри РНМ задаються трьома матрицями U, V і W, що відповідають входу, виходу і блоку </a:t>
+                  <a:t> зберігаються в матриці ваг, то параметри РНМ задаються трьома матрицями U, V і W, що відповідають входу, виходу і блоку пам’яті. </a:t>
                 </a:r>
-                <a:r>
-                  <a:rPr lang="uk-UA" sz="2400" noProof="0" dirty="0" smtClean="0"/>
-                  <a:t>пам’яті</a:t>
-                </a:r>
-                <a:endParaRPr lang="uk-UA" sz="2400" noProof="0" dirty="0" smtClean="0"/>
               </a:p>
               <a:p>
                 <a:r>
-                  <a:rPr lang="uk-UA" sz="2400" noProof="0" dirty="0" smtClean="0"/>
-                  <a:t>Матриці розділяються </a:t>
+                  <a:rPr lang="uk-UA" sz="2400" noProof="0" dirty="0"/>
+                  <a:t>Ці матриці розділяються між усіма кроками, оскільки на кожному кроці до різних даних застосовуються одні і ті ж операції</a:t>
                 </a:r>
-                <a:r>
-                  <a:rPr lang="uk-UA" sz="2400" noProof="0" dirty="0"/>
-                  <a:t>між усіма кроками, оскільки на кожному кроці до різних даних застосовуються </a:t>
-                </a:r>
-                <a:r>
-                  <a:rPr lang="uk-UA" sz="2400" noProof="0" dirty="0" smtClean="0"/>
-                  <a:t>однакові операції</a:t>
-                </a:r>
-                <a:endParaRPr lang="uk-UA" sz="2400" noProof="0" dirty="0"/>
               </a:p>
               <a:p>
                 <a:pPr marL="0" indent="0">
@@ -4811,13 +5066,8 @@
               <a:p>
                 <a:r>
                   <a:rPr lang="uk-UA" sz="2400" noProof="0" dirty="0"/>
-                  <a:t>Завдяки використанню одних і тих же ваг на всіх етапах вдається істотно знизити кількість параметрів </a:t>
+                  <a:t>Завдяки використанню одних і тих же ваг на всіх етапах вдається істотно знизити кількість параметрів РНМ.</a:t>
                 </a:r>
-                <a:r>
-                  <a:rPr lang="uk-UA" sz="2400" noProof="0" dirty="0" smtClean="0"/>
-                  <a:t>РНМ</a:t>
-                </a:r>
-                <a:endParaRPr lang="uk-UA" sz="2400" noProof="0" dirty="0"/>
               </a:p>
               <a:p>
                 <a:endParaRPr lang="uk-UA" sz="2400" noProof="0" dirty="0"/>
@@ -4825,7 +5075,7 @@
             </p:txBody>
           </p:sp>
         </mc:Choice>
-        <mc:Fallback>
+        <mc:Fallback xmlns="">
           <p:sp>
             <p:nvSpPr>
               <p:cNvPr id="3" name="Content Placeholder 2"/>
@@ -4849,7 +5099,7 @@
               <a:lstStyle/>
               <a:p>
                 <a:r>
-                  <a:rPr lang="uk-UA">
+                  <a:rPr lang="en-US">
                     <a:noFill/>
                   </a:rPr>
                   <a:t> </a:t>
@@ -4872,7 +5122,7 @@
 </p:sld>
 </file>
 
-<file path=ppt/slides/slide7.xml><?xml version="1.0" encoding="utf-8"?>
+<file path=ppt/slides/slide8.xml><?xml version="1.0" encoding="utf-8"?>
 <p:sld xmlns:a="http://schemas.openxmlformats.org/drawingml/2006/main" xmlns:r="http://schemas.openxmlformats.org/officeDocument/2006/relationships" xmlns:p="http://schemas.openxmlformats.org/presentationml/2006/main">
   <p:cSld>
     <p:spTree>
@@ -5021,7 +5271,7 @@
 </p:sld>
 </file>
 
-<file path=ppt/slides/slide8.xml><?xml version="1.0" encoding="utf-8"?>
+<file path=ppt/slides/slide9.xml><?xml version="1.0" encoding="utf-8"?>
 <p:sld xmlns:a="http://schemas.openxmlformats.org/drawingml/2006/main" xmlns:r="http://schemas.openxmlformats.org/officeDocument/2006/relationships" xmlns:p="http://schemas.openxmlformats.org/presentationml/2006/main">
   <p:cSld>
     <p:spTree>
@@ -5196,200 +5446,6 @@
     <p:extLst>
       <p:ext uri="{BB962C8B-B14F-4D97-AF65-F5344CB8AC3E}">
         <p14:creationId xmlns:p14="http://schemas.microsoft.com/office/powerpoint/2010/main" val="2551016283"/>
-      </p:ext>
-    </p:extLst>
-  </p:cSld>
-  <p:clrMapOvr>
-    <a:masterClrMapping/>
-  </p:clrMapOvr>
-</p:sld>
-</file>
-
-<file path=ppt/slides/slide9.xml><?xml version="1.0" encoding="utf-8"?>
-<p:sld xmlns:a="http://schemas.openxmlformats.org/drawingml/2006/main" xmlns:r="http://schemas.openxmlformats.org/officeDocument/2006/relationships" xmlns:p="http://schemas.openxmlformats.org/presentationml/2006/main">
-  <p:cSld>
-    <p:spTree>
-      <p:nvGrpSpPr>
-        <p:cNvPr id="1" name=""/>
-        <p:cNvGrpSpPr/>
-        <p:nvPr/>
-      </p:nvGrpSpPr>
-      <p:grpSpPr>
-        <a:xfrm>
-          <a:off x="0" y="0"/>
-          <a:ext cx="0" cy="0"/>
-          <a:chOff x="0" y="0"/>
-          <a:chExt cx="0" cy="0"/>
-        </a:xfrm>
-      </p:grpSpPr>
-      <p:pic>
-        <p:nvPicPr>
-          <p:cNvPr id="4" name="Рисунок 82" descr="https://habrastorage.org/web/db4/e23/6e1/db4e236e1d834c96949f17e94e8900c7.png"/>
-          <p:cNvPicPr>
-            <a:picLocks noChangeAspect="1"/>
-          </p:cNvPicPr>
-          <p:nvPr/>
-        </p:nvPicPr>
-        <p:blipFill>
-          <a:blip r:embed="rId2" cstate="print">
-            <a:extLst>
-              <a:ext uri="{28A0092B-C50C-407E-A947-70E740481C1C}">
-                <a14:useLocalDpi xmlns:a14="http://schemas.microsoft.com/office/drawing/2010/main" val="0"/>
-              </a:ext>
-            </a:extLst>
-          </a:blip>
-          <a:srcRect/>
-          <a:stretch>
-            <a:fillRect/>
-          </a:stretch>
-        </p:blipFill>
-        <p:spPr bwMode="auto">
-          <a:xfrm>
-            <a:off x="1003454" y="2204428"/>
-            <a:ext cx="8635262" cy="2668514"/>
-          </a:xfrm>
-          <a:prstGeom prst="rect">
-            <a:avLst/>
-          </a:prstGeom>
-          <a:noFill/>
-          <a:ln>
-            <a:noFill/>
-          </a:ln>
-        </p:spPr>
-      </p:pic>
-      <p:sp>
-        <p:nvSpPr>
-          <p:cNvPr id="2" name="Title 1"/>
-          <p:cNvSpPr>
-            <a:spLocks noGrp="1"/>
-          </p:cNvSpPr>
-          <p:nvPr>
-            <p:ph type="title"/>
-          </p:nvPr>
-        </p:nvSpPr>
-        <p:spPr/>
-        <p:txBody>
-          <a:bodyPr/>
-          <a:lstStyle/>
-          <a:p>
-            <a:r>
-              <a:rPr lang="uk-UA" noProof="0" dirty="0" err="1" smtClean="0"/>
-              <a:t>Cell</a:t>
-            </a:r>
-            <a:r>
-              <a:rPr lang="uk-UA" noProof="0" dirty="0" smtClean="0"/>
-              <a:t> </a:t>
-            </a:r>
-            <a:r>
-              <a:rPr lang="uk-UA" noProof="0" dirty="0" err="1" smtClean="0"/>
-              <a:t>state</a:t>
-            </a:r>
-            <a:endParaRPr lang="uk-UA" noProof="0" dirty="0"/>
-          </a:p>
-        </p:txBody>
-      </p:sp>
-      <p:sp>
-        <p:nvSpPr>
-          <p:cNvPr id="3" name="Content Placeholder 2"/>
-          <p:cNvSpPr>
-            <a:spLocks noGrp="1"/>
-          </p:cNvSpPr>
-          <p:nvPr>
-            <p:ph idx="1"/>
-          </p:nvPr>
-        </p:nvSpPr>
-        <p:spPr/>
-        <p:txBody>
-          <a:bodyPr>
-            <a:normAutofit fontScale="92500" lnSpcReduction="10000"/>
-          </a:bodyPr>
-          <a:lstStyle/>
-          <a:p>
-            <a:r>
-              <a:rPr lang="uk-UA" sz="2400" noProof="0" dirty="0" smtClean="0"/>
-              <a:t>На горизонтальній лінії, що проходить по верхній частині схеми відображається стан комірки (</a:t>
-            </a:r>
-            <a:r>
-              <a:rPr lang="uk-UA" sz="2400" noProof="0" dirty="0" err="1" smtClean="0"/>
-              <a:t>cell</a:t>
-            </a:r>
-            <a:r>
-              <a:rPr lang="uk-UA" sz="2400" noProof="0" dirty="0" smtClean="0"/>
-              <a:t> </a:t>
-            </a:r>
-            <a:r>
-              <a:rPr lang="uk-UA" sz="2400" noProof="0" dirty="0" err="1" smtClean="0"/>
-              <a:t>state</a:t>
-            </a:r>
-            <a:r>
-              <a:rPr lang="uk-UA" sz="2400" noProof="0" dirty="0" smtClean="0"/>
-              <a:t>) – це внутрішня пам’ять </a:t>
-            </a:r>
-            <a:r>
-              <a:rPr lang="uk-UA" sz="2400" noProof="0" dirty="0" smtClean="0"/>
-              <a:t>блоку</a:t>
-            </a:r>
-          </a:p>
-          <a:p>
-            <a:endParaRPr lang="uk-UA" sz="2400" dirty="0" smtClean="0"/>
-          </a:p>
-          <a:p>
-            <a:endParaRPr lang="uk-UA" sz="2400" dirty="0"/>
-          </a:p>
-          <a:p>
-            <a:endParaRPr lang="uk-UA" sz="2400" dirty="0" smtClean="0"/>
-          </a:p>
-          <a:p>
-            <a:endParaRPr lang="uk-UA" sz="2400" dirty="0" smtClean="0"/>
-          </a:p>
-          <a:p>
-            <a:endParaRPr lang="uk-UA" sz="2400" dirty="0"/>
-          </a:p>
-          <a:p>
-            <a:endParaRPr lang="uk-UA" sz="2400" dirty="0" smtClean="0"/>
-          </a:p>
-          <a:p>
-            <a:r>
-              <a:rPr lang="uk-UA" sz="2400" dirty="0" smtClean="0"/>
-              <a:t>Видалення </a:t>
-            </a:r>
-            <a:r>
-              <a:rPr lang="uk-UA" sz="2400" dirty="0"/>
-              <a:t>інформації регулюється структурами - фільтрами (</a:t>
-            </a:r>
-            <a:r>
-              <a:rPr lang="uk-UA" sz="2400" dirty="0" err="1"/>
-              <a:t>gates</a:t>
-            </a:r>
-            <a:r>
-              <a:rPr lang="uk-UA" sz="2400" dirty="0"/>
-              <a:t>). </a:t>
-            </a:r>
-          </a:p>
-          <a:p>
-            <a:r>
-              <a:rPr lang="uk-UA" sz="2400" dirty="0"/>
-              <a:t>Фільтри дозволяють пропускати інформацію на підставі деяких умов. </a:t>
-            </a:r>
-          </a:p>
-          <a:p>
-            <a:r>
-              <a:rPr lang="uk-UA" sz="2400" dirty="0"/>
-              <a:t>У LSTM три фільтри, що дозволяють захищати і контролювати стан комірки.</a:t>
-            </a:r>
-          </a:p>
-          <a:p>
-            <a:pPr marL="0" indent="0">
-              <a:buNone/>
-            </a:pPr>
-            <a:endParaRPr lang="uk-UA" sz="2400" noProof="0" dirty="0"/>
-          </a:p>
-        </p:txBody>
-      </p:sp>
-    </p:spTree>
-    <p:extLst>
-      <p:ext uri="{BB962C8B-B14F-4D97-AF65-F5344CB8AC3E}">
-        <p14:creationId xmlns:p14="http://schemas.microsoft.com/office/powerpoint/2010/main" val="437563911"/>
       </p:ext>
     </p:extLst>
   </p:cSld>
